--- a/华益缺陷检测项目分享.pptx
+++ b/华益缺陷检测项目分享.pptx
@@ -15,7 +15,6 @@
     <p:sldId id="262" r:id="rId9"/>
     <p:sldId id="263" r:id="rId10"/>
     <p:sldId id="265" r:id="rId11"/>
-    <p:sldId id="266" r:id="rId12"/>
   </p:sldIdLst>
   <p:sldSz cx="9144000" cy="6858000" type="screen4x3"/>
   <p:notesSz cx="6858000" cy="9144000"/>
@@ -153,7 +152,7 @@
           <a:p>
             <a:fld id="{7DCB8796-A677-49BB-B8D5-8C1EC974312B}" type="datetimeFigureOut">
               <a:rPr lang="zh-CN" altLang="en-US" smtClean="0"/>
-              <a:t>2018/1/24</a:t>
+              <a:t>2018/2/9</a:t>
             </a:fld>
             <a:endParaRPr lang="zh-CN" altLang="en-US"/>
           </a:p>
@@ -870,7 +869,7 @@
           <a:p>
             <a:fld id="{7DCB8796-A677-49BB-B8D5-8C1EC974312B}" type="datetimeFigureOut">
               <a:rPr lang="zh-CN" altLang="en-US" smtClean="0"/>
-              <a:t>2018/1/24</a:t>
+              <a:t>2018/2/9</a:t>
             </a:fld>
             <a:endParaRPr lang="zh-CN" altLang="en-US"/>
           </a:p>
@@ -1055,7 +1054,7 @@
           <a:p>
             <a:fld id="{7DCB8796-A677-49BB-B8D5-8C1EC974312B}" type="datetimeFigureOut">
               <a:rPr lang="zh-CN" altLang="en-US" smtClean="0"/>
-              <a:t>2018/1/24</a:t>
+              <a:t>2018/2/9</a:t>
             </a:fld>
             <a:endParaRPr lang="zh-CN" altLang="en-US"/>
           </a:p>
@@ -1230,7 +1229,7 @@
           <a:p>
             <a:fld id="{7DCB8796-A677-49BB-B8D5-8C1EC974312B}" type="datetimeFigureOut">
               <a:rPr lang="zh-CN" altLang="en-US" smtClean="0"/>
-              <a:t>2018/1/24</a:t>
+              <a:t>2018/2/9</a:t>
             </a:fld>
             <a:endParaRPr lang="zh-CN" altLang="en-US"/>
           </a:p>
@@ -2713,7 +2712,7 @@
           <a:p>
             <a:fld id="{7DCB8796-A677-49BB-B8D5-8C1EC974312B}" type="datetimeFigureOut">
               <a:rPr lang="zh-CN" altLang="en-US" smtClean="0"/>
-              <a:t>2018/1/24</a:t>
+              <a:t>2018/2/9</a:t>
             </a:fld>
             <a:endParaRPr lang="zh-CN" altLang="en-US"/>
           </a:p>
@@ -3313,7 +3312,7 @@
           <a:p>
             <a:fld id="{7DCB8796-A677-49BB-B8D5-8C1EC974312B}" type="datetimeFigureOut">
               <a:rPr lang="zh-CN" altLang="en-US" smtClean="0"/>
-              <a:t>2018/1/24</a:t>
+              <a:t>2018/2/9</a:t>
             </a:fld>
             <a:endParaRPr lang="zh-CN" altLang="en-US"/>
           </a:p>
@@ -3750,7 +3749,7 @@
           <a:p>
             <a:fld id="{7DCB8796-A677-49BB-B8D5-8C1EC974312B}" type="datetimeFigureOut">
               <a:rPr lang="zh-CN" altLang="en-US" smtClean="0"/>
-              <a:t>2018/1/24</a:t>
+              <a:t>2018/2/9</a:t>
             </a:fld>
             <a:endParaRPr lang="zh-CN" altLang="en-US"/>
           </a:p>
@@ -4311,7 +4310,7 @@
           <a:p>
             <a:fld id="{7DCB8796-A677-49BB-B8D5-8C1EC974312B}" type="datetimeFigureOut">
               <a:rPr lang="zh-CN" altLang="en-US" smtClean="0"/>
-              <a:t>2018/1/24</a:t>
+              <a:t>2018/2/9</a:t>
             </a:fld>
             <a:endParaRPr lang="zh-CN" altLang="en-US"/>
           </a:p>
@@ -4407,7 +4406,7 @@
           <a:p>
             <a:fld id="{7DCB8796-A677-49BB-B8D5-8C1EC974312B}" type="datetimeFigureOut">
               <a:rPr lang="zh-CN" altLang="en-US" smtClean="0"/>
-              <a:t>2018/1/24</a:t>
+              <a:t>2018/2/9</a:t>
             </a:fld>
             <a:endParaRPr lang="zh-CN" altLang="en-US"/>
           </a:p>
@@ -4661,7 +4660,7 @@
           <a:p>
             <a:fld id="{7DCB8796-A677-49BB-B8D5-8C1EC974312B}" type="datetimeFigureOut">
               <a:rPr lang="zh-CN" altLang="en-US" smtClean="0"/>
-              <a:t>2018/1/24</a:t>
+              <a:t>2018/2/9</a:t>
             </a:fld>
             <a:endParaRPr lang="zh-CN" altLang="en-US"/>
           </a:p>
@@ -5382,7 +5381,7 @@
           <a:p>
             <a:fld id="{7DCB8796-A677-49BB-B8D5-8C1EC974312B}" type="datetimeFigureOut">
               <a:rPr lang="zh-CN" altLang="en-US" smtClean="0"/>
-              <a:t>2018/1/24</a:t>
+              <a:t>2018/2/9</a:t>
             </a:fld>
             <a:endParaRPr lang="zh-CN" altLang="en-US"/>
           </a:p>
@@ -6055,7 +6054,7 @@
           <a:p>
             <a:fld id="{7DCB8796-A677-49BB-B8D5-8C1EC974312B}" type="datetimeFigureOut">
               <a:rPr lang="zh-CN" altLang="en-US" smtClean="0"/>
-              <a:t>2018/1/24</a:t>
+              <a:t>2018/2/9</a:t>
             </a:fld>
             <a:endParaRPr lang="zh-CN" altLang="en-US"/>
           </a:p>
@@ -6642,11 +6641,7 @@
           <a:p>
             <a:r>
               <a:rPr lang="zh-CN" altLang="en-US" dirty="0" smtClean="0"/>
-              <a:t>软件应用，代码讲解</a:t>
-            </a:r>
-            <a:r>
-              <a:rPr lang="zh-CN" altLang="en-US" dirty="0" smtClean="0"/>
-              <a:t>。</a:t>
+              <a:t>软件应用，代码讲解。</a:t>
             </a:r>
             <a:endParaRPr lang="en-US" altLang="zh-CN" dirty="0" smtClean="0"/>
           </a:p>
@@ -6669,71 +6664,6 @@
     <p:extLst>
       <p:ext uri="{BB962C8B-B14F-4D97-AF65-F5344CB8AC3E}">
         <p14:creationId xmlns:p14="http://schemas.microsoft.com/office/powerpoint/2010/main" val="1378938198"/>
-      </p:ext>
-    </p:extLst>
-  </p:cSld>
-  <p:clrMapOvr>
-    <a:masterClrMapping/>
-  </p:clrMapOvr>
-  <p:timing>
-    <p:tnLst>
-      <p:par>
-        <p:cTn id="1" dur="indefinite" restart="never" nodeType="tmRoot"/>
-      </p:par>
-    </p:tnLst>
-  </p:timing>
-</p:sld>
-</file>
-
-<file path=ppt/slides/slide11.xml><?xml version="1.0" encoding="utf-8"?>
-<p:sld xmlns:a="http://schemas.openxmlformats.org/drawingml/2006/main" xmlns:r="http://schemas.openxmlformats.org/officeDocument/2006/relationships" xmlns:p="http://schemas.openxmlformats.org/presentationml/2006/main">
-  <p:cSld>
-    <p:spTree>
-      <p:nvGrpSpPr>
-        <p:cNvPr id="1" name=""/>
-        <p:cNvGrpSpPr/>
-        <p:nvPr/>
-      </p:nvGrpSpPr>
-      <p:grpSpPr>
-        <a:xfrm>
-          <a:off x="0" y="0"/>
-          <a:ext cx="0" cy="0"/>
-          <a:chOff x="0" y="0"/>
-          <a:chExt cx="0" cy="0"/>
-        </a:xfrm>
-      </p:grpSpPr>
-      <p:sp>
-        <p:nvSpPr>
-          <p:cNvPr id="2" name="标题 1"/>
-          <p:cNvSpPr>
-            <a:spLocks noGrp="1"/>
-          </p:cNvSpPr>
-          <p:nvPr>
-            <p:ph type="title"/>
-          </p:nvPr>
-        </p:nvSpPr>
-        <p:spPr>
-          <a:xfrm>
-            <a:off x="1259632" y="2420888"/>
-            <a:ext cx="5616624" cy="2160240"/>
-          </a:xfrm>
-        </p:spPr>
-        <p:txBody>
-          <a:bodyPr/>
-          <a:lstStyle/>
-          <a:p>
-            <a:r>
-              <a:rPr lang="zh-CN" altLang="en-US" dirty="0" smtClean="0"/>
-              <a:t>谢谢观赏！</a:t>
-            </a:r>
-            <a:endParaRPr lang="zh-CN" altLang="en-US" dirty="0"/>
-          </a:p>
-        </p:txBody>
-      </p:sp>
-    </p:spTree>
-    <p:extLst>
-      <p:ext uri="{BB962C8B-B14F-4D97-AF65-F5344CB8AC3E}">
-        <p14:creationId xmlns:p14="http://schemas.microsoft.com/office/powerpoint/2010/main" val="2028946334"/>
       </p:ext>
     </p:extLst>
   </p:cSld>
